--- a/database_pre.pptx
+++ b/database_pre.pptx
@@ -30557,7 +30557,7 @@
       </p:sp>
       <p:graphicFrame>
         <p:nvGraphicFramePr>
-          <p:cNvPr id="-2147482621" name="对象 -2147482622"/>
+          <p:cNvPr id="4" name="对象 -2147482622"/>
           <p:cNvGraphicFramePr>
             <a:graphicFrameLocks noChangeAspect="1"/>
           </p:cNvGraphicFramePr>
@@ -30613,7 +30613,7 @@
       </p:graphicFrame>
       <p:graphicFrame>
         <p:nvGraphicFramePr>
-          <p:cNvPr id="-2147482620" name="对象 -2147482621"/>
+          <p:cNvPr id="6" name="对象 -2147482621"/>
           <p:cNvGraphicFramePr>
             <a:graphicFrameLocks noChangeAspect="1"/>
           </p:cNvGraphicFramePr>
@@ -30627,7 +30627,7 @@
           <a:graphicData uri="http://schemas.openxmlformats.org/presentationml/2006/ole">
             <mc:AlternateContent xmlns:mc="http://schemas.openxmlformats.org/markup-compatibility/2006">
               <mc:Choice xmlns:v="urn:schemas-microsoft-com:vml" Requires="v">
-                <p:oleObj spid="_x0000_s4" name="" r:id="rId4" imgW="723900" imgH="228600" progId="Equation.KSEE3">
+                <p:oleObj spid="_x0000_s7" name="" r:id="rId4" imgW="723900" imgH="228600" progId="Equation.KSEE3">
                   <p:embed/>
                 </p:oleObj>
               </mc:Choice>
